--- a/Figures/init_flowchart.pptx
+++ b/Figures/init_flowchart.pptx
@@ -243,7 +243,7 @@
           <a:p>
             <a:fld id="{28498E41-FF62-4D38-9266-32847B9BE567}" type="datetimeFigureOut">
               <a:rPr lang="nb-NO" smtClean="0"/>
-              <a:t>03.05.2017</a:t>
+              <a:t>04.05.2017</a:t>
             </a:fld>
             <a:endParaRPr lang="nb-NO"/>
           </a:p>
@@ -408,7 +408,7 @@
           <a:p>
             <a:fld id="{28498E41-FF62-4D38-9266-32847B9BE567}" type="datetimeFigureOut">
               <a:rPr lang="nb-NO" smtClean="0"/>
-              <a:t>03.05.2017</a:t>
+              <a:t>04.05.2017</a:t>
             </a:fld>
             <a:endParaRPr lang="nb-NO"/>
           </a:p>
@@ -583,7 +583,7 @@
           <a:p>
             <a:fld id="{28498E41-FF62-4D38-9266-32847B9BE567}" type="datetimeFigureOut">
               <a:rPr lang="nb-NO" smtClean="0"/>
-              <a:t>03.05.2017</a:t>
+              <a:t>04.05.2017</a:t>
             </a:fld>
             <a:endParaRPr lang="nb-NO"/>
           </a:p>
@@ -748,7 +748,7 @@
           <a:p>
             <a:fld id="{28498E41-FF62-4D38-9266-32847B9BE567}" type="datetimeFigureOut">
               <a:rPr lang="nb-NO" smtClean="0"/>
-              <a:t>03.05.2017</a:t>
+              <a:t>04.05.2017</a:t>
             </a:fld>
             <a:endParaRPr lang="nb-NO"/>
           </a:p>
@@ -989,7 +989,7 @@
           <a:p>
             <a:fld id="{28498E41-FF62-4D38-9266-32847B9BE567}" type="datetimeFigureOut">
               <a:rPr lang="nb-NO" smtClean="0"/>
-              <a:t>03.05.2017</a:t>
+              <a:t>04.05.2017</a:t>
             </a:fld>
             <a:endParaRPr lang="nb-NO"/>
           </a:p>
@@ -1216,7 +1216,7 @@
           <a:p>
             <a:fld id="{28498E41-FF62-4D38-9266-32847B9BE567}" type="datetimeFigureOut">
               <a:rPr lang="nb-NO" smtClean="0"/>
-              <a:t>03.05.2017</a:t>
+              <a:t>04.05.2017</a:t>
             </a:fld>
             <a:endParaRPr lang="nb-NO"/>
           </a:p>
@@ -1578,7 +1578,7 @@
           <a:p>
             <a:fld id="{28498E41-FF62-4D38-9266-32847B9BE567}" type="datetimeFigureOut">
               <a:rPr lang="nb-NO" smtClean="0"/>
-              <a:t>03.05.2017</a:t>
+              <a:t>04.05.2017</a:t>
             </a:fld>
             <a:endParaRPr lang="nb-NO"/>
           </a:p>
@@ -1691,7 +1691,7 @@
           <a:p>
             <a:fld id="{28498E41-FF62-4D38-9266-32847B9BE567}" type="datetimeFigureOut">
               <a:rPr lang="nb-NO" smtClean="0"/>
-              <a:t>03.05.2017</a:t>
+              <a:t>04.05.2017</a:t>
             </a:fld>
             <a:endParaRPr lang="nb-NO"/>
           </a:p>
@@ -1781,7 +1781,7 @@
           <a:p>
             <a:fld id="{28498E41-FF62-4D38-9266-32847B9BE567}" type="datetimeFigureOut">
               <a:rPr lang="nb-NO" smtClean="0"/>
-              <a:t>03.05.2017</a:t>
+              <a:t>04.05.2017</a:t>
             </a:fld>
             <a:endParaRPr lang="nb-NO"/>
           </a:p>
@@ -2053,7 +2053,7 @@
           <a:p>
             <a:fld id="{28498E41-FF62-4D38-9266-32847B9BE567}" type="datetimeFigureOut">
               <a:rPr lang="nb-NO" smtClean="0"/>
-              <a:t>03.05.2017</a:t>
+              <a:t>04.05.2017</a:t>
             </a:fld>
             <a:endParaRPr lang="nb-NO"/>
           </a:p>
@@ -2305,7 +2305,7 @@
           <a:p>
             <a:fld id="{28498E41-FF62-4D38-9266-32847B9BE567}" type="datetimeFigureOut">
               <a:rPr lang="nb-NO" smtClean="0"/>
-              <a:t>03.05.2017</a:t>
+              <a:t>04.05.2017</a:t>
             </a:fld>
             <a:endParaRPr lang="nb-NO"/>
           </a:p>
@@ -2513,7 +2513,7 @@
           <a:p>
             <a:fld id="{28498E41-FF62-4D38-9266-32847B9BE567}" type="datetimeFigureOut">
               <a:rPr lang="nb-NO" smtClean="0"/>
-              <a:t>03.05.2017</a:t>
+              <a:t>04.05.2017</a:t>
             </a:fld>
             <a:endParaRPr lang="nb-NO"/>
           </a:p>
@@ -2979,11 +2979,6 @@
               </a:rPr>
               <a:t>(from tracker)</a:t>
             </a:r>
-            <a:endParaRPr lang="en-US" sz="1951" dirty="0">
-              <a:solidFill>
-                <a:schemeClr val="tx1"/>
-              </a:solidFill>
-            </a:endParaRPr>
           </a:p>
         </p:txBody>
       </p:sp>
@@ -2995,7 +2990,7 @@
         </p:nvSpPr>
         <p:spPr>
           <a:xfrm>
-            <a:off x="5003773" y="386458"/>
+            <a:off x="5089583" y="386458"/>
             <a:ext cx="2047501" cy="1170000"/>
           </a:xfrm>
           <a:prstGeom prst="roundRect">
@@ -3048,11 +3043,6 @@
               </a:rPr>
               <a:t>initiators</a:t>
             </a:r>
-            <a:endParaRPr lang="en-US" sz="1951" dirty="0">
-              <a:solidFill>
-                <a:schemeClr val="tx1"/>
-              </a:solidFill>
-            </a:endParaRPr>
           </a:p>
         </p:txBody>
       </p:sp>
@@ -3064,7 +3054,7 @@
         </p:nvSpPr>
         <p:spPr>
           <a:xfrm>
-            <a:off x="2440219" y="1876154"/>
+            <a:off x="2619733" y="1891144"/>
             <a:ext cx="2047501" cy="1170000"/>
           </a:xfrm>
           <a:prstGeom prst="roundRect">
@@ -3104,21 +3094,8 @@
                   <a:schemeClr val="tx1"/>
                 </a:solidFill>
               </a:rPr>
-              <a:t>(</a:t>
-            </a:r>
-            <a:r>
-              <a:rPr lang="en-US" sz="1951" dirty="0">
-                <a:solidFill>
-                  <a:schemeClr val="tx1"/>
-                </a:solidFill>
-              </a:rPr>
-              <a:t>New)</a:t>
-            </a:r>
-            <a:endParaRPr lang="en-US" sz="1951" dirty="0">
-              <a:solidFill>
-                <a:schemeClr val="tx1"/>
-              </a:solidFill>
-            </a:endParaRPr>
+              <a:t>(New)</a:t>
+            </a:r>
           </a:p>
           <a:p>
             <a:pPr algn="ctr"/>
@@ -3183,11 +3160,6 @@
               </a:rPr>
               <a:t>Spawn new initiators</a:t>
             </a:r>
-            <a:endParaRPr lang="en-US" sz="1951" dirty="0">
-              <a:solidFill>
-                <a:schemeClr val="tx1"/>
-              </a:solidFill>
-            </a:endParaRPr>
           </a:p>
         </p:txBody>
       </p:sp>
@@ -3199,7 +3171,7 @@
         </p:nvSpPr>
         <p:spPr>
           <a:xfrm>
-            <a:off x="2440219" y="386458"/>
+            <a:off x="2619734" y="386458"/>
             <a:ext cx="2047501" cy="1170000"/>
           </a:xfrm>
           <a:prstGeom prst="roundRect">
@@ -3252,11 +3224,6 @@
               </a:rPr>
               <a:t>tracks</a:t>
             </a:r>
-            <a:endParaRPr lang="en-US" sz="1951" dirty="0">
-              <a:solidFill>
-                <a:schemeClr val="tx1"/>
-              </a:solidFill>
-            </a:endParaRPr>
           </a:p>
         </p:txBody>
       </p:sp>
@@ -3270,9 +3237,9 @@
           <p:nvPr/>
         </p:nvCxnSpPr>
         <p:spPr>
-          <a:xfrm flipV="1">
-            <a:off x="4487722" y="971461"/>
-            <a:ext cx="516053" cy="2"/>
+          <a:xfrm>
+            <a:off x="4667235" y="971458"/>
+            <a:ext cx="422348" cy="0"/>
           </a:xfrm>
           <a:prstGeom prst="straightConnector1">
             <a:avLst/>
@@ -3307,8 +3274,8 @@
         </p:nvCxnSpPr>
         <p:spPr>
           <a:xfrm flipV="1">
-            <a:off x="2197387" y="971463"/>
-            <a:ext cx="242832" cy="2"/>
+            <a:off x="2197386" y="971458"/>
+            <a:ext cx="422348" cy="2"/>
           </a:xfrm>
           <a:prstGeom prst="straightConnector1">
             <a:avLst/>
@@ -3343,8 +3310,8 @@
         </p:nvCxnSpPr>
         <p:spPr>
           <a:xfrm>
-            <a:off x="7051273" y="971458"/>
-            <a:ext cx="508162" cy="0"/>
+            <a:off x="7137084" y="971458"/>
+            <a:ext cx="422348" cy="0"/>
           </a:xfrm>
           <a:prstGeom prst="straightConnector1">
             <a:avLst/>
@@ -3378,9 +3345,9 @@
           <p:nvPr/>
         </p:nvCxnSpPr>
         <p:spPr>
-          <a:xfrm>
-            <a:off x="3463967" y="1556463"/>
-            <a:ext cx="0" cy="319693"/>
+          <a:xfrm flipH="1">
+            <a:off x="3643484" y="1556458"/>
+            <a:ext cx="1" cy="334686"/>
           </a:xfrm>
           <a:prstGeom prst="straightConnector1">
             <a:avLst/>
@@ -3409,18 +3376,18 @@
           <p:cNvPr id="55" name="Vinkel 54"/>
           <p:cNvCxnSpPr>
             <a:stCxn id="10" idx="0"/>
-            <a:endCxn id="4" idx="0"/>
+            <a:endCxn id="11" idx="0"/>
           </p:cNvCxnSpPr>
           <p:nvPr/>
         </p:nvCxnSpPr>
         <p:spPr>
-          <a:xfrm rot="16200000" flipH="1" flipV="1">
-            <a:off x="4878407" y="-3318313"/>
-            <a:ext cx="2" cy="7409547"/>
+          <a:xfrm rot="16200000" flipV="1">
+            <a:off x="6113334" y="-2083391"/>
+            <a:ext cx="12700" cy="4939698"/>
           </a:xfrm>
           <a:prstGeom prst="bentConnector3">
             <a:avLst>
-              <a:gd name="adj1" fmla="val -11430000000"/>
+              <a:gd name="adj1" fmla="val 1800000"/>
             </a:avLst>
           </a:prstGeom>
           <a:ln>
